--- a/march meeting 2019.pptx
+++ b/march meeting 2019.pptx
@@ -12,8 +12,9 @@
     <p:sldId id="261" r:id="rId6"/>
     <p:sldId id="260" r:id="rId7"/>
     <p:sldId id="262" r:id="rId8"/>
-    <p:sldId id="263" r:id="rId9"/>
-    <p:sldId id="264" r:id="rId10"/>
+    <p:sldId id="265" r:id="rId9"/>
+    <p:sldId id="263" r:id="rId10"/>
+    <p:sldId id="264" r:id="rId11"/>
   </p:sldIdLst>
   <p:sldSz cx="9144000" cy="6858000" type="screen4x3"/>
   <p:notesSz cx="6858000" cy="9144000"/>
@@ -3242,6 +3243,132 @@
 </p:sld>
 </file>
 
+<file path=ppt/slides/slide10.xml><?xml version="1.0" encoding="utf-8"?>
+<p:sld xmlns:a="http://schemas.openxmlformats.org/drawingml/2006/main" xmlns:r="http://schemas.openxmlformats.org/officeDocument/2006/relationships" xmlns:p="http://schemas.openxmlformats.org/presentationml/2006/main">
+  <p:cSld>
+    <p:spTree>
+      <p:nvGrpSpPr>
+        <p:cNvPr id="1" name=""/>
+        <p:cNvGrpSpPr/>
+        <p:nvPr/>
+      </p:nvGrpSpPr>
+      <p:grpSpPr>
+        <a:xfrm>
+          <a:off x="0" y="0"/>
+          <a:ext cx="0" cy="0"/>
+          <a:chOff x="0" y="0"/>
+          <a:chExt cx="0" cy="0"/>
+        </a:xfrm>
+      </p:grpSpPr>
+      <p:sp>
+        <p:nvSpPr>
+          <p:cNvPr id="2" name="Title 1"/>
+          <p:cNvSpPr>
+            <a:spLocks noGrp="1"/>
+          </p:cNvSpPr>
+          <p:nvPr>
+            <p:ph type="title"/>
+          </p:nvPr>
+        </p:nvSpPr>
+        <p:spPr/>
+        <p:txBody>
+          <a:bodyPr>
+            <a:normAutofit fontScale="90000"/>
+          </a:bodyPr>
+          <a:lstStyle/>
+          <a:p>
+            <a:r>
+              <a:rPr lang="en-US" dirty="0"/>
+              <a:t>AL in presence of spin-orbit coupling</a:t>
+            </a:r>
+            <a:r>
+              <a:rPr lang="en-US" dirty="0" smtClean="0"/>
+              <a:t>.</a:t>
+            </a:r>
+            <a:endParaRPr lang="en-US" dirty="0"/>
+          </a:p>
+        </p:txBody>
+      </p:sp>
+      <p:pic>
+        <p:nvPicPr>
+          <p:cNvPr id="5" name="Content Placeholder 4" descr="Screen Shot 2019-02-02 at 6.18.10 PM.png"/>
+          <p:cNvPicPr>
+            <a:picLocks noGrp="1" noChangeAspect="1"/>
+          </p:cNvPicPr>
+          <p:nvPr>
+            <p:ph idx="1"/>
+          </p:nvPr>
+        </p:nvPicPr>
+        <p:blipFill>
+          <a:blip r:embed="rId2">
+            <a:extLst>
+              <a:ext uri="{28A0092B-C50C-407E-A947-70E740481C1C}">
+                <a14:useLocalDpi xmlns:a14="http://schemas.microsoft.com/office/drawing/2010/main" val="0"/>
+              </a:ext>
+            </a:extLst>
+          </a:blip>
+          <a:srcRect l="-23968" r="-23968"/>
+          <a:stretch>
+            <a:fillRect/>
+          </a:stretch>
+        </p:blipFill>
+        <p:spPr>
+          <a:xfrm>
+            <a:off x="-161925" y="2393950"/>
+            <a:ext cx="5490248" cy="3019425"/>
+          </a:xfrm>
+        </p:spPr>
+      </p:pic>
+      <p:pic>
+        <p:nvPicPr>
+          <p:cNvPr id="6" name="Picture 5" descr="Screen Shot 2019-02-02 at 6.22.19 PM.png"/>
+          <p:cNvPicPr>
+            <a:picLocks noChangeAspect="1"/>
+          </p:cNvPicPr>
+          <p:nvPr/>
+        </p:nvPicPr>
+        <p:blipFill>
+          <a:blip r:embed="rId3">
+            <a:extLst>
+              <a:ext uri="{28A0092B-C50C-407E-A947-70E740481C1C}">
+                <a14:useLocalDpi xmlns:a14="http://schemas.microsoft.com/office/drawing/2010/main" val="0"/>
+              </a:ext>
+            </a:extLst>
+          </a:blip>
+          <a:stretch>
+            <a:fillRect/>
+          </a:stretch>
+        </p:blipFill>
+        <p:spPr>
+          <a:xfrm>
+            <a:off x="4483574" y="2392984"/>
+            <a:ext cx="3819052" cy="3020391"/>
+          </a:xfrm>
+          <a:prstGeom prst="rect">
+            <a:avLst/>
+          </a:prstGeom>
+        </p:spPr>
+      </p:pic>
+    </p:spTree>
+    <p:extLst>
+      <p:ext uri="{BB962C8B-B14F-4D97-AF65-F5344CB8AC3E}">
+        <p14:creationId xmlns:p14="http://schemas.microsoft.com/office/powerpoint/2010/main" val="761621789"/>
+      </p:ext>
+    </p:extLst>
+  </p:cSld>
+  <p:clrMapOvr>
+    <a:masterClrMapping/>
+  </p:clrMapOvr>
+  <p:timing>
+    <p:tnLst>
+      <p:par>
+        <p:cTn xmlns:p14="http://schemas.microsoft.com/office/powerpoint/2010/main" id="1" dur="indefinite" restart="never" nodeType="tmRoot"/>
+      </p:par>
+    </p:tnLst>
+  </p:timing>
+</p:sld>
+</file>
+
 <file path=ppt/slides/slide2.xml><?xml version="1.0" encoding="utf-8"?>
 <p:sld xmlns:a="http://schemas.openxmlformats.org/drawingml/2006/main" xmlns:r="http://schemas.openxmlformats.org/officeDocument/2006/relationships" xmlns:p="http://schemas.openxmlformats.org/presentationml/2006/main">
   <p:cSld>
@@ -3705,7 +3832,7 @@
       </p:pic>
       <p:pic>
         <p:nvPicPr>
-          <p:cNvPr id="7" name="Picture 6" descr="Screen Shot 2019-02-01 at 11.55.26 AM.png"/>
+          <p:cNvPr id="8" name="Picture 7" descr="Screen Shot 2019-02-02 at 5.04.26 PM.png"/>
           <p:cNvPicPr>
             <a:picLocks noChangeAspect="1"/>
           </p:cNvPicPr>
@@ -3725,8 +3852,38 @@
         </p:blipFill>
         <p:spPr>
           <a:xfrm>
-            <a:off x="3098800" y="5372183"/>
-            <a:ext cx="4838700" cy="1414234"/>
+            <a:off x="3048000" y="5651500"/>
+            <a:ext cx="4508500" cy="793750"/>
+          </a:xfrm>
+          <a:prstGeom prst="rect">
+            <a:avLst/>
+          </a:prstGeom>
+        </p:spPr>
+      </p:pic>
+      <p:pic>
+        <p:nvPicPr>
+          <p:cNvPr id="9" name="Picture 8" descr="Screen Shot 2019-02-02 at 5.04.32 PM.png"/>
+          <p:cNvPicPr>
+            <a:picLocks noChangeAspect="1"/>
+          </p:cNvPicPr>
+          <p:nvPr/>
+        </p:nvPicPr>
+        <p:blipFill>
+          <a:blip r:embed="rId7">
+            <a:extLst>
+              <a:ext uri="{28A0092B-C50C-407E-A947-70E740481C1C}">
+                <a14:useLocalDpi xmlns:a14="http://schemas.microsoft.com/office/drawing/2010/main" val="0"/>
+              </a:ext>
+            </a:extLst>
+          </a:blip>
+          <a:stretch>
+            <a:fillRect/>
+          </a:stretch>
+        </p:blipFill>
+        <p:spPr>
+          <a:xfrm>
+            <a:off x="7143750" y="5651500"/>
+            <a:ext cx="1885950" cy="762000"/>
           </a:xfrm>
           <a:prstGeom prst="rect">
             <a:avLst/>
@@ -3975,6 +4132,13 @@
   <p:clrMapOvr>
     <a:masterClrMapping/>
   </p:clrMapOvr>
+  <p:timing>
+    <p:tnLst>
+      <p:par>
+        <p:cTn xmlns:p14="http://schemas.microsoft.com/office/powerpoint/2010/main" id="1" dur="indefinite" restart="never" nodeType="tmRoot"/>
+      </p:par>
+    </p:tnLst>
+  </p:timing>
 </p:sld>
 </file>
 
@@ -4161,10 +4325,74 @@
           <a:bodyPr/>
           <a:lstStyle/>
           <a:p>
+            <a:r>
+              <a:rPr lang="en-US" dirty="0" smtClean="0"/>
+              <a:t>Laser field acquire random phase by reflection off rough surface or transmission of rough media.</a:t>
+            </a:r>
             <a:endParaRPr lang="en-US" dirty="0"/>
           </a:p>
         </p:txBody>
       </p:sp>
+      <p:pic>
+        <p:nvPicPr>
+          <p:cNvPr id="4" name="Picture 3" descr="30mm.png"/>
+          <p:cNvPicPr>
+            <a:picLocks noChangeAspect="1"/>
+          </p:cNvPicPr>
+          <p:nvPr/>
+        </p:nvPicPr>
+        <p:blipFill>
+          <a:blip r:embed="rId2">
+            <a:extLst>
+              <a:ext uri="{28A0092B-C50C-407E-A947-70E740481C1C}">
+                <a14:useLocalDpi xmlns:a14="http://schemas.microsoft.com/office/drawing/2010/main" val="0"/>
+              </a:ext>
+            </a:extLst>
+          </a:blip>
+          <a:stretch>
+            <a:fillRect/>
+          </a:stretch>
+        </p:blipFill>
+        <p:spPr>
+          <a:xfrm>
+            <a:off x="457200" y="3289300"/>
+            <a:ext cx="4064000" cy="3251200"/>
+          </a:xfrm>
+          <a:prstGeom prst="rect">
+            <a:avLst/>
+          </a:prstGeom>
+        </p:spPr>
+      </p:pic>
+      <p:pic>
+        <p:nvPicPr>
+          <p:cNvPr id="5" name="Picture 4" descr="4psd.png"/>
+          <p:cNvPicPr>
+            <a:picLocks noChangeAspect="1"/>
+          </p:cNvPicPr>
+          <p:nvPr/>
+        </p:nvPicPr>
+        <p:blipFill>
+          <a:blip r:embed="rId3">
+            <a:extLst>
+              <a:ext uri="{28A0092B-C50C-407E-A947-70E740481C1C}">
+                <a14:useLocalDpi xmlns:a14="http://schemas.microsoft.com/office/drawing/2010/main" val="0"/>
+              </a:ext>
+            </a:extLst>
+          </a:blip>
+          <a:stretch>
+            <a:fillRect/>
+          </a:stretch>
+        </p:blipFill>
+        <p:spPr>
+          <a:xfrm>
+            <a:off x="4226982" y="3143250"/>
+            <a:ext cx="4741333" cy="3555999"/>
+          </a:xfrm>
+          <a:prstGeom prst="rect">
+            <a:avLst/>
+          </a:prstGeom>
+        </p:spPr>
+      </p:pic>
     </p:spTree>
     <p:extLst>
       <p:ext uri="{BB962C8B-B14F-4D97-AF65-F5344CB8AC3E}">
@@ -4175,10 +4403,194 @@
   <p:clrMapOvr>
     <a:masterClrMapping/>
   </p:clrMapOvr>
+  <p:timing>
+    <p:tnLst>
+      <p:par>
+        <p:cTn xmlns:p14="http://schemas.microsoft.com/office/powerpoint/2010/main" id="1" dur="indefinite" restart="never" nodeType="tmRoot"/>
+      </p:par>
+    </p:tnLst>
+  </p:timing>
 </p:sld>
 </file>
 
 <file path=ppt/slides/slide8.xml><?xml version="1.0" encoding="utf-8"?>
+<p:sld xmlns:a="http://schemas.openxmlformats.org/drawingml/2006/main" xmlns:r="http://schemas.openxmlformats.org/officeDocument/2006/relationships" xmlns:p="http://schemas.openxmlformats.org/presentationml/2006/main">
+  <p:cSld>
+    <p:spTree>
+      <p:nvGrpSpPr>
+        <p:cNvPr id="1" name=""/>
+        <p:cNvGrpSpPr/>
+        <p:nvPr/>
+      </p:nvGrpSpPr>
+      <p:grpSpPr>
+        <a:xfrm>
+          <a:off x="0" y="0"/>
+          <a:ext cx="0" cy="0"/>
+          <a:chOff x="0" y="0"/>
+          <a:chExt cx="0" cy="0"/>
+        </a:xfrm>
+      </p:grpSpPr>
+      <p:sp>
+        <p:nvSpPr>
+          <p:cNvPr id="2" name="Title 1"/>
+          <p:cNvSpPr>
+            <a:spLocks noGrp="1"/>
+          </p:cNvSpPr>
+          <p:nvPr>
+            <p:ph type="title"/>
+          </p:nvPr>
+        </p:nvSpPr>
+        <p:spPr/>
+        <p:txBody>
+          <a:bodyPr/>
+          <a:lstStyle/>
+          <a:p>
+            <a:r>
+              <a:rPr lang="en-US" dirty="0"/>
+              <a:t>Laser speckle and AL in k space</a:t>
+            </a:r>
+          </a:p>
+        </p:txBody>
+      </p:sp>
+      <p:pic>
+        <p:nvPicPr>
+          <p:cNvPr id="7" name="Picture 6" descr="4psd.png"/>
+          <p:cNvPicPr>
+            <a:picLocks noChangeAspect="1"/>
+          </p:cNvPicPr>
+          <p:nvPr/>
+        </p:nvPicPr>
+        <p:blipFill>
+          <a:blip r:embed="rId2">
+            <a:extLst>
+              <a:ext uri="{28A0092B-C50C-407E-A947-70E740481C1C}">
+                <a14:useLocalDpi xmlns:a14="http://schemas.microsoft.com/office/drawing/2010/main" val="0"/>
+              </a:ext>
+            </a:extLst>
+          </a:blip>
+          <a:stretch>
+            <a:fillRect/>
+          </a:stretch>
+        </p:blipFill>
+        <p:spPr>
+          <a:xfrm>
+            <a:off x="457201" y="3016250"/>
+            <a:ext cx="4241800" cy="3181349"/>
+          </a:xfrm>
+          <a:prstGeom prst="rect">
+            <a:avLst/>
+          </a:prstGeom>
+        </p:spPr>
+      </p:pic>
+      <p:pic>
+        <p:nvPicPr>
+          <p:cNvPr id="9" name="Content Placeholder 8" descr="Screen Shot 2019-02-02 at 5.02.03 PM.png"/>
+          <p:cNvPicPr>
+            <a:picLocks noGrp="1" noChangeAspect="1"/>
+          </p:cNvPicPr>
+          <p:nvPr>
+            <p:ph idx="1"/>
+          </p:nvPr>
+        </p:nvPicPr>
+        <p:blipFill rotWithShape="1">
+          <a:blip r:embed="rId3">
+            <a:extLst>
+              <a:ext uri="{28A0092B-C50C-407E-A947-70E740481C1C}">
+                <a14:useLocalDpi xmlns:a14="http://schemas.microsoft.com/office/drawing/2010/main" val="0"/>
+              </a:ext>
+            </a:extLst>
+          </a:blip>
+          <a:srcRect l="-24405" r="-24405"/>
+          <a:stretch/>
+        </p:blipFill>
+        <p:spPr>
+          <a:xfrm>
+            <a:off x="3965575" y="3143251"/>
+            <a:ext cx="5178425" cy="2862492"/>
+          </a:xfrm>
+        </p:spPr>
+      </p:pic>
+      <p:pic>
+        <p:nvPicPr>
+          <p:cNvPr id="10" name="Picture 9" descr="Screen Shot 2019-02-02 at 5.04.26 PM.png"/>
+          <p:cNvPicPr>
+            <a:picLocks noChangeAspect="1"/>
+          </p:cNvPicPr>
+          <p:nvPr/>
+        </p:nvPicPr>
+        <p:blipFill>
+          <a:blip r:embed="rId4">
+            <a:extLst>
+              <a:ext uri="{28A0092B-C50C-407E-A947-70E740481C1C}">
+                <a14:useLocalDpi xmlns:a14="http://schemas.microsoft.com/office/drawing/2010/main" val="0"/>
+              </a:ext>
+            </a:extLst>
+          </a:blip>
+          <a:stretch>
+            <a:fillRect/>
+          </a:stretch>
+        </p:blipFill>
+        <p:spPr>
+          <a:xfrm>
+            <a:off x="457200" y="2000250"/>
+            <a:ext cx="4508500" cy="793750"/>
+          </a:xfrm>
+          <a:prstGeom prst="rect">
+            <a:avLst/>
+          </a:prstGeom>
+        </p:spPr>
+      </p:pic>
+      <p:pic>
+        <p:nvPicPr>
+          <p:cNvPr id="11" name="Picture 10" descr="Screen Shot 2019-02-02 at 5.04.32 PM.png"/>
+          <p:cNvPicPr>
+            <a:picLocks noChangeAspect="1"/>
+          </p:cNvPicPr>
+          <p:nvPr/>
+        </p:nvPicPr>
+        <p:blipFill>
+          <a:blip r:embed="rId5">
+            <a:extLst>
+              <a:ext uri="{28A0092B-C50C-407E-A947-70E740481C1C}">
+                <a14:useLocalDpi xmlns:a14="http://schemas.microsoft.com/office/drawing/2010/main" val="0"/>
+              </a:ext>
+            </a:extLst>
+          </a:blip>
+          <a:stretch>
+            <a:fillRect/>
+          </a:stretch>
+        </p:blipFill>
+        <p:spPr>
+          <a:xfrm>
+            <a:off x="4552950" y="2000250"/>
+            <a:ext cx="1885950" cy="762000"/>
+          </a:xfrm>
+          <a:prstGeom prst="rect">
+            <a:avLst/>
+          </a:prstGeom>
+        </p:spPr>
+      </p:pic>
+    </p:spTree>
+    <p:extLst>
+      <p:ext uri="{BB962C8B-B14F-4D97-AF65-F5344CB8AC3E}">
+        <p14:creationId xmlns:p14="http://schemas.microsoft.com/office/powerpoint/2010/main" val="2827628134"/>
+      </p:ext>
+    </p:extLst>
+  </p:cSld>
+  <p:clrMapOvr>
+    <a:masterClrMapping/>
+  </p:clrMapOvr>
+  <p:timing>
+    <p:tnLst>
+      <p:par>
+        <p:cTn xmlns:p14="http://schemas.microsoft.com/office/powerpoint/2010/main" id="1" dur="indefinite" restart="never" nodeType="tmRoot"/>
+      </p:par>
+    </p:tnLst>
+  </p:timing>
+</p:sld>
+</file>
+
+<file path=ppt/slides/slide9.xml><?xml version="1.0" encoding="utf-8"?>
 <p:sld xmlns:a="http://schemas.openxmlformats.org/drawingml/2006/main" xmlns:r="http://schemas.openxmlformats.org/officeDocument/2006/relationships" xmlns:p="http://schemas.openxmlformats.org/presentationml/2006/main">
   <p:cSld>
     <p:spTree>
@@ -4423,84 +4835,13 @@
   <p:clrMapOvr>
     <a:masterClrMapping/>
   </p:clrMapOvr>
-</p:sld>
-</file>
-
-<file path=ppt/slides/slide9.xml><?xml version="1.0" encoding="utf-8"?>
-<p:sld xmlns:a="http://schemas.openxmlformats.org/drawingml/2006/main" xmlns:r="http://schemas.openxmlformats.org/officeDocument/2006/relationships" xmlns:p="http://schemas.openxmlformats.org/presentationml/2006/main">
-  <p:cSld>
-    <p:spTree>
-      <p:nvGrpSpPr>
-        <p:cNvPr id="1" name=""/>
-        <p:cNvGrpSpPr/>
-        <p:nvPr/>
-      </p:nvGrpSpPr>
-      <p:grpSpPr>
-        <a:xfrm>
-          <a:off x="0" y="0"/>
-          <a:ext cx="0" cy="0"/>
-          <a:chOff x="0" y="0"/>
-          <a:chExt cx="0" cy="0"/>
-        </a:xfrm>
-      </p:grpSpPr>
-      <p:sp>
-        <p:nvSpPr>
-          <p:cNvPr id="2" name="Title 1"/>
-          <p:cNvSpPr>
-            <a:spLocks noGrp="1"/>
-          </p:cNvSpPr>
-          <p:nvPr>
-            <p:ph type="title"/>
-          </p:nvPr>
-        </p:nvSpPr>
-        <p:spPr/>
-        <p:txBody>
-          <a:bodyPr>
-            <a:normAutofit fontScale="90000"/>
-          </a:bodyPr>
-          <a:lstStyle/>
-          <a:p>
-            <a:r>
-              <a:rPr lang="en-US" dirty="0"/>
-              <a:t>AL in presence of spin-orbit coupling</a:t>
-            </a:r>
-            <a:r>
-              <a:rPr lang="en-US" dirty="0" smtClean="0"/>
-              <a:t>.</a:t>
-            </a:r>
-            <a:endParaRPr lang="en-US" dirty="0"/>
-          </a:p>
-        </p:txBody>
-      </p:sp>
-      <p:sp>
-        <p:nvSpPr>
-          <p:cNvPr id="3" name="Content Placeholder 2"/>
-          <p:cNvSpPr>
-            <a:spLocks noGrp="1"/>
-          </p:cNvSpPr>
-          <p:nvPr>
-            <p:ph idx="1"/>
-          </p:nvPr>
-        </p:nvSpPr>
-        <p:spPr/>
-        <p:txBody>
-          <a:bodyPr/>
-          <a:lstStyle/>
-          <a:p>
-            <a:endParaRPr lang="en-US" dirty="0"/>
-          </a:p>
-        </p:txBody>
-      </p:sp>
-    </p:spTree>
-    <p:extLst>
-      <p:ext uri="{BB962C8B-B14F-4D97-AF65-F5344CB8AC3E}">
-        <p14:creationId xmlns:p14="http://schemas.microsoft.com/office/powerpoint/2010/main" val="761621789"/>
-      </p:ext>
-    </p:extLst>
-  </p:cSld>
-  <p:clrMapOvr>
-    <a:masterClrMapping/>
-  </p:clrMapOvr>
+  <p:timing>
+    <p:tnLst>
+      <p:par>
+        <p:cTn xmlns:p14="http://schemas.microsoft.com/office/powerpoint/2010/main" id="1" dur="indefinite" restart="never" nodeType="tmRoot"/>
+      </p:par>
+    </p:tnLst>
+  </p:timing>
 </p:sld>
 </file>
 
